--- a/verilog/Verilog_pattern_checker_description.pptx
+++ b/verilog/Verilog_pattern_checker_description.pptx
@@ -259,6 +259,111 @@
           <pc:docMk/>
           <pc:sldMk cId="3668709444" sldId="461"/>
         </pc:sldMkLst>
+      </pc:sldChg>
+    </pc:docChg>
+  </pc:docChgLst>
+  <pc:docChgLst>
+    <pc:chgData name="김민재" userId="3d228583-5ffc-43fe-8883-e4caed6f4002" providerId="ADAL" clId="{A134FFBB-0749-4703-A26B-8F0EF594E7E0}"/>
+    <pc:docChg chg="custSel addSld delSld modSld">
+      <pc:chgData name="김민재" userId="3d228583-5ffc-43fe-8883-e4caed6f4002" providerId="ADAL" clId="{A134FFBB-0749-4703-A26B-8F0EF594E7E0}" dt="2019-04-08T01:50:56.650" v="920" actId="20577"/>
+      <pc:docMkLst>
+        <pc:docMk/>
+      </pc:docMkLst>
+      <pc:sldChg chg="modNotesTx">
+        <pc:chgData name="김민재" userId="3d228583-5ffc-43fe-8883-e4caed6f4002" providerId="ADAL" clId="{A134FFBB-0749-4703-A26B-8F0EF594E7E0}" dt="2019-04-08T01:50:56.650" v="920" actId="20577"/>
+        <pc:sldMkLst>
+          <pc:docMk/>
+          <pc:sldMk cId="834236243" sldId="428"/>
+        </pc:sldMkLst>
+      </pc:sldChg>
+      <pc:sldChg chg="addSp modSp">
+        <pc:chgData name="김민재" userId="3d228583-5ffc-43fe-8883-e4caed6f4002" providerId="ADAL" clId="{A134FFBB-0749-4703-A26B-8F0EF594E7E0}" dt="2019-04-08T01:18:18.224" v="598" actId="1036"/>
+        <pc:sldMkLst>
+          <pc:docMk/>
+          <pc:sldMk cId="891529893" sldId="440"/>
+        </pc:sldMkLst>
+        <pc:spChg chg="add mod">
+          <ac:chgData name="김민재" userId="3d228583-5ffc-43fe-8883-e4caed6f4002" providerId="ADAL" clId="{A134FFBB-0749-4703-A26B-8F0EF594E7E0}" dt="2019-04-08T01:18:18.224" v="598" actId="1036"/>
+          <ac:spMkLst>
+            <pc:docMk/>
+            <pc:sldMk cId="891529893" sldId="440"/>
+            <ac:spMk id="2" creationId="{FB057E46-38FF-49B7-904D-F5249722DCCF}"/>
+          </ac:spMkLst>
+        </pc:spChg>
+      </pc:sldChg>
+      <pc:sldChg chg="modNotesTx">
+        <pc:chgData name="김민재" userId="3d228583-5ffc-43fe-8883-e4caed6f4002" providerId="ADAL" clId="{A134FFBB-0749-4703-A26B-8F0EF594E7E0}" dt="2019-04-08T00:52:37.054" v="114" actId="20577"/>
+        <pc:sldMkLst>
+          <pc:docMk/>
+          <pc:sldMk cId="2285567731" sldId="449"/>
+        </pc:sldMkLst>
+      </pc:sldChg>
+      <pc:sldChg chg="modNotesTx">
+        <pc:chgData name="김민재" userId="3d228583-5ffc-43fe-8883-e4caed6f4002" providerId="ADAL" clId="{A134FFBB-0749-4703-A26B-8F0EF594E7E0}" dt="2019-04-08T00:58:12.824" v="487" actId="20577"/>
+        <pc:sldMkLst>
+          <pc:docMk/>
+          <pc:sldMk cId="3174317376" sldId="450"/>
+        </pc:sldMkLst>
+      </pc:sldChg>
+      <pc:sldChg chg="modNotesTx">
+        <pc:chgData name="김민재" userId="3d228583-5ffc-43fe-8883-e4caed6f4002" providerId="ADAL" clId="{A134FFBB-0749-4703-A26B-8F0EF594E7E0}" dt="2019-04-08T01:35:58.069" v="908" actId="5793"/>
+        <pc:sldMkLst>
+          <pc:docMk/>
+          <pc:sldMk cId="1954339302" sldId="451"/>
+        </pc:sldMkLst>
+      </pc:sldChg>
+      <pc:sldChg chg="addSp modSp">
+        <pc:chgData name="김민재" userId="3d228583-5ffc-43fe-8883-e4caed6f4002" providerId="ADAL" clId="{A134FFBB-0749-4703-A26B-8F0EF594E7E0}" dt="2019-04-08T01:17:27.265" v="584" actId="14100"/>
+        <pc:sldMkLst>
+          <pc:docMk/>
+          <pc:sldMk cId="2645747723" sldId="455"/>
+        </pc:sldMkLst>
+        <pc:spChg chg="add mod">
+          <ac:chgData name="김민재" userId="3d228583-5ffc-43fe-8883-e4caed6f4002" providerId="ADAL" clId="{A134FFBB-0749-4703-A26B-8F0EF594E7E0}" dt="2019-04-08T01:17:27.265" v="584" actId="14100"/>
+          <ac:spMkLst>
+            <pc:docMk/>
+            <pc:sldMk cId="2645747723" sldId="455"/>
+            <ac:spMk id="4" creationId="{B4713B81-EB27-4540-94B9-482D617CF562}"/>
+          </ac:spMkLst>
+        </pc:spChg>
+      </pc:sldChg>
+      <pc:sldChg chg="modSp">
+        <pc:chgData name="김민재" userId="3d228583-5ffc-43fe-8883-e4caed6f4002" providerId="ADAL" clId="{A134FFBB-0749-4703-A26B-8F0EF594E7E0}" dt="2019-04-08T01:01:36.778" v="575" actId="20577"/>
+        <pc:sldMkLst>
+          <pc:docMk/>
+          <pc:sldMk cId="3393117212" sldId="456"/>
+        </pc:sldMkLst>
+        <pc:spChg chg="mod">
+          <ac:chgData name="김민재" userId="3d228583-5ffc-43fe-8883-e4caed6f4002" providerId="ADAL" clId="{A134FFBB-0749-4703-A26B-8F0EF594E7E0}" dt="2019-04-08T01:01:36.778" v="575" actId="20577"/>
+          <ac:spMkLst>
+            <pc:docMk/>
+            <pc:sldMk cId="3393117212" sldId="456"/>
+            <ac:spMk id="32772" creationId="{00000000-0000-0000-0000-000000000000}"/>
+          </ac:spMkLst>
+        </pc:spChg>
+      </pc:sldChg>
+      <pc:sldChg chg="addSp modSp add modNotesTx">
+        <pc:chgData name="김민재" userId="3d228583-5ffc-43fe-8883-e4caed6f4002" providerId="ADAL" clId="{A134FFBB-0749-4703-A26B-8F0EF594E7E0}" dt="2019-04-08T01:25:25.543" v="698" actId="20577"/>
+        <pc:sldMkLst>
+          <pc:docMk/>
+          <pc:sldMk cId="1095655879" sldId="469"/>
+        </pc:sldMkLst>
+        <pc:spChg chg="add mod">
+          <ac:chgData name="김민재" userId="3d228583-5ffc-43fe-8883-e4caed6f4002" providerId="ADAL" clId="{A134FFBB-0749-4703-A26B-8F0EF594E7E0}" dt="2019-04-08T01:25:25.543" v="698" actId="20577"/>
+          <ac:spMkLst>
+            <pc:docMk/>
+            <pc:sldMk cId="1095655879" sldId="469"/>
+            <ac:spMk id="2" creationId="{E5807890-AF96-4404-A5A9-85E76C0CBB6A}"/>
+          </ac:spMkLst>
+        </pc:spChg>
+        <pc:picChg chg="add mod">
+          <ac:chgData name="김민재" userId="3d228583-5ffc-43fe-8883-e4caed6f4002" providerId="ADAL" clId="{A134FFBB-0749-4703-A26B-8F0EF594E7E0}" dt="2019-04-08T01:24:03.798" v="616" actId="1036"/>
+          <ac:picMkLst>
+            <pc:docMk/>
+            <pc:sldMk cId="1095655879" sldId="469"/>
+            <ac:picMk id="6" creationId="{A158ABD6-89E0-4CE3-A7C7-71AF36DCD8BB}"/>
+          </ac:picMkLst>
+        </pc:picChg>
       </pc:sldChg>
     </pc:docChg>
   </pc:docChgLst>
@@ -1863,111 +1968,6 @@
       </pc:sldChg>
     </pc:docChg>
   </pc:docChgLst>
-  <pc:docChgLst>
-    <pc:chgData name="김민재" userId="3d228583-5ffc-43fe-8883-e4caed6f4002" providerId="ADAL" clId="{A134FFBB-0749-4703-A26B-8F0EF594E7E0}"/>
-    <pc:docChg chg="custSel addSld delSld modSld">
-      <pc:chgData name="김민재" userId="3d228583-5ffc-43fe-8883-e4caed6f4002" providerId="ADAL" clId="{A134FFBB-0749-4703-A26B-8F0EF594E7E0}" dt="2019-04-08T01:50:56.650" v="920" actId="20577"/>
-      <pc:docMkLst>
-        <pc:docMk/>
-      </pc:docMkLst>
-      <pc:sldChg chg="modNotesTx">
-        <pc:chgData name="김민재" userId="3d228583-5ffc-43fe-8883-e4caed6f4002" providerId="ADAL" clId="{A134FFBB-0749-4703-A26B-8F0EF594E7E0}" dt="2019-04-08T01:50:56.650" v="920" actId="20577"/>
-        <pc:sldMkLst>
-          <pc:docMk/>
-          <pc:sldMk cId="834236243" sldId="428"/>
-        </pc:sldMkLst>
-      </pc:sldChg>
-      <pc:sldChg chg="addSp modSp">
-        <pc:chgData name="김민재" userId="3d228583-5ffc-43fe-8883-e4caed6f4002" providerId="ADAL" clId="{A134FFBB-0749-4703-A26B-8F0EF594E7E0}" dt="2019-04-08T01:18:18.224" v="598" actId="1036"/>
-        <pc:sldMkLst>
-          <pc:docMk/>
-          <pc:sldMk cId="891529893" sldId="440"/>
-        </pc:sldMkLst>
-        <pc:spChg chg="add mod">
-          <ac:chgData name="김민재" userId="3d228583-5ffc-43fe-8883-e4caed6f4002" providerId="ADAL" clId="{A134FFBB-0749-4703-A26B-8F0EF594E7E0}" dt="2019-04-08T01:18:18.224" v="598" actId="1036"/>
-          <ac:spMkLst>
-            <pc:docMk/>
-            <pc:sldMk cId="891529893" sldId="440"/>
-            <ac:spMk id="2" creationId="{FB057E46-38FF-49B7-904D-F5249722DCCF}"/>
-          </ac:spMkLst>
-        </pc:spChg>
-      </pc:sldChg>
-      <pc:sldChg chg="modNotesTx">
-        <pc:chgData name="김민재" userId="3d228583-5ffc-43fe-8883-e4caed6f4002" providerId="ADAL" clId="{A134FFBB-0749-4703-A26B-8F0EF594E7E0}" dt="2019-04-08T00:52:37.054" v="114" actId="20577"/>
-        <pc:sldMkLst>
-          <pc:docMk/>
-          <pc:sldMk cId="2285567731" sldId="449"/>
-        </pc:sldMkLst>
-      </pc:sldChg>
-      <pc:sldChg chg="modNotesTx">
-        <pc:chgData name="김민재" userId="3d228583-5ffc-43fe-8883-e4caed6f4002" providerId="ADAL" clId="{A134FFBB-0749-4703-A26B-8F0EF594E7E0}" dt="2019-04-08T00:58:12.824" v="487" actId="20577"/>
-        <pc:sldMkLst>
-          <pc:docMk/>
-          <pc:sldMk cId="3174317376" sldId="450"/>
-        </pc:sldMkLst>
-      </pc:sldChg>
-      <pc:sldChg chg="modNotesTx">
-        <pc:chgData name="김민재" userId="3d228583-5ffc-43fe-8883-e4caed6f4002" providerId="ADAL" clId="{A134FFBB-0749-4703-A26B-8F0EF594E7E0}" dt="2019-04-08T01:35:58.069" v="908" actId="5793"/>
-        <pc:sldMkLst>
-          <pc:docMk/>
-          <pc:sldMk cId="1954339302" sldId="451"/>
-        </pc:sldMkLst>
-      </pc:sldChg>
-      <pc:sldChg chg="addSp modSp">
-        <pc:chgData name="김민재" userId="3d228583-5ffc-43fe-8883-e4caed6f4002" providerId="ADAL" clId="{A134FFBB-0749-4703-A26B-8F0EF594E7E0}" dt="2019-04-08T01:17:27.265" v="584" actId="14100"/>
-        <pc:sldMkLst>
-          <pc:docMk/>
-          <pc:sldMk cId="2645747723" sldId="455"/>
-        </pc:sldMkLst>
-        <pc:spChg chg="add mod">
-          <ac:chgData name="김민재" userId="3d228583-5ffc-43fe-8883-e4caed6f4002" providerId="ADAL" clId="{A134FFBB-0749-4703-A26B-8F0EF594E7E0}" dt="2019-04-08T01:17:27.265" v="584" actId="14100"/>
-          <ac:spMkLst>
-            <pc:docMk/>
-            <pc:sldMk cId="2645747723" sldId="455"/>
-            <ac:spMk id="4" creationId="{B4713B81-EB27-4540-94B9-482D617CF562}"/>
-          </ac:spMkLst>
-        </pc:spChg>
-      </pc:sldChg>
-      <pc:sldChg chg="modSp">
-        <pc:chgData name="김민재" userId="3d228583-5ffc-43fe-8883-e4caed6f4002" providerId="ADAL" clId="{A134FFBB-0749-4703-A26B-8F0EF594E7E0}" dt="2019-04-08T01:01:36.778" v="575" actId="20577"/>
-        <pc:sldMkLst>
-          <pc:docMk/>
-          <pc:sldMk cId="3393117212" sldId="456"/>
-        </pc:sldMkLst>
-        <pc:spChg chg="mod">
-          <ac:chgData name="김민재" userId="3d228583-5ffc-43fe-8883-e4caed6f4002" providerId="ADAL" clId="{A134FFBB-0749-4703-A26B-8F0EF594E7E0}" dt="2019-04-08T01:01:36.778" v="575" actId="20577"/>
-          <ac:spMkLst>
-            <pc:docMk/>
-            <pc:sldMk cId="3393117212" sldId="456"/>
-            <ac:spMk id="32772" creationId="{00000000-0000-0000-0000-000000000000}"/>
-          </ac:spMkLst>
-        </pc:spChg>
-      </pc:sldChg>
-      <pc:sldChg chg="addSp modSp add modNotesTx">
-        <pc:chgData name="김민재" userId="3d228583-5ffc-43fe-8883-e4caed6f4002" providerId="ADAL" clId="{A134FFBB-0749-4703-A26B-8F0EF594E7E0}" dt="2019-04-08T01:25:25.543" v="698" actId="20577"/>
-        <pc:sldMkLst>
-          <pc:docMk/>
-          <pc:sldMk cId="1095655879" sldId="469"/>
-        </pc:sldMkLst>
-        <pc:spChg chg="add mod">
-          <ac:chgData name="김민재" userId="3d228583-5ffc-43fe-8883-e4caed6f4002" providerId="ADAL" clId="{A134FFBB-0749-4703-A26B-8F0EF594E7E0}" dt="2019-04-08T01:25:25.543" v="698" actId="20577"/>
-          <ac:spMkLst>
-            <pc:docMk/>
-            <pc:sldMk cId="1095655879" sldId="469"/>
-            <ac:spMk id="2" creationId="{E5807890-AF96-4404-A5A9-85E76C0CBB6A}"/>
-          </ac:spMkLst>
-        </pc:spChg>
-        <pc:picChg chg="add mod">
-          <ac:chgData name="김민재" userId="3d228583-5ffc-43fe-8883-e4caed6f4002" providerId="ADAL" clId="{A134FFBB-0749-4703-A26B-8F0EF594E7E0}" dt="2019-04-08T01:24:03.798" v="616" actId="1036"/>
-          <ac:picMkLst>
-            <pc:docMk/>
-            <pc:sldMk cId="1095655879" sldId="469"/>
-            <ac:picMk id="6" creationId="{A158ABD6-89E0-4CE3-A7C7-71AF36DCD8BB}"/>
-          </ac:picMkLst>
-        </pc:picChg>
-      </pc:sldChg>
-    </pc:docChg>
-  </pc:docChgLst>
 </pc:chgInfo>
 </file>
 
@@ -2065,7 +2065,7 @@
           <a:p>
             <a:fld id="{18D7B79D-3BA5-45F2-B61A-6F4227684F94}" type="datetimeFigureOut">
               <a:rPr lang="ko-KR" altLang="en-US" smtClean="0"/>
-              <a:t>2019-10-21</a:t>
+              <a:t>2019-10-22</a:t>
             </a:fld>
             <a:endParaRPr lang="ko-KR" altLang="en-US"/>
           </a:p>
@@ -11588,7 +11588,7 @@
           <a:p>
             <a:pPr marL="119380" indent="-119380"/>
             <a:r>
-              <a:rPr lang="ko-KR" altLang="en-US" b="1" dirty="0"/>
+              <a:rPr lang="ko-KR" altLang="en-US" b="1"/>
               <a:t>구조 설명</a:t>
             </a:r>
             <a:endParaRPr lang="x-none" altLang="en-US" b="1" dirty="0"/>
@@ -11620,17 +11620,82 @@
                 <a:latin typeface="Calibri" panose="020F0502020204030204" pitchFamily="34" charset="0"/>
                 <a:cs typeface="Calibri" panose="020F0502020204030204" pitchFamily="34" charset="0"/>
               </a:rPr>
-              <a:t>a: input array</a:t>
-            </a:r>
-          </a:p>
-          <a:p>
+              <a:t>a: input array (</a:t>
+            </a:r>
+            <a:r>
+              <a:rPr lang="ko-KR" altLang="en-US" sz="1100" dirty="0">
+                <a:latin typeface="Calibri" panose="020F0502020204030204" pitchFamily="34" charset="0"/>
+                <a:cs typeface="Calibri" panose="020F0502020204030204" pitchFamily="34" charset="0"/>
+              </a:rPr>
+              <a:t>우선 </a:t>
+            </a:r>
             <a:r>
               <a:rPr lang="pt-BR" altLang="ko-KR" sz="1100" dirty="0">
                 <a:latin typeface="Calibri" panose="020F0502020204030204" pitchFamily="34" charset="0"/>
                 <a:cs typeface="Calibri" panose="020F0502020204030204" pitchFamily="34" charset="0"/>
               </a:rPr>
-              <a:t>x1, x2, x3, x4: pattern</a:t>
-            </a:r>
+              <a:t>288-bit </a:t>
+            </a:r>
+            <a:r>
+              <a:rPr lang="ko-KR" altLang="en-US" sz="1100" dirty="0">
+                <a:latin typeface="Calibri" panose="020F0502020204030204" pitchFamily="34" charset="0"/>
+                <a:cs typeface="Calibri" panose="020F0502020204030204" pitchFamily="34" charset="0"/>
+              </a:rPr>
+              <a:t>로 구현하였고</a:t>
+            </a:r>
+            <a:r>
+              <a:rPr lang="en-US" altLang="ko-KR" sz="1100" dirty="0">
+                <a:latin typeface="Calibri" panose="020F0502020204030204" pitchFamily="34" charset="0"/>
+                <a:cs typeface="Calibri" panose="020F0502020204030204" pitchFamily="34" charset="0"/>
+              </a:rPr>
+              <a:t>, </a:t>
+            </a:r>
+            <a:r>
+              <a:rPr lang="ko-KR" altLang="en-US" sz="1100" dirty="0">
+                <a:latin typeface="Calibri" panose="020F0502020204030204" pitchFamily="34" charset="0"/>
+                <a:cs typeface="Calibri" panose="020F0502020204030204" pitchFamily="34" charset="0"/>
+              </a:rPr>
+              <a:t>최종적으로는 </a:t>
+            </a:r>
+            <a:r>
+              <a:rPr lang="en-US" altLang="ko-KR" sz="1100" dirty="0">
+                <a:latin typeface="Calibri" panose="020F0502020204030204" pitchFamily="34" charset="0"/>
+                <a:cs typeface="Calibri" panose="020F0502020204030204" pitchFamily="34" charset="0"/>
+              </a:rPr>
+              <a:t>5</a:t>
+            </a:r>
+            <a:r>
+              <a:rPr lang="ko-KR" altLang="en-US" sz="1100" dirty="0">
+                <a:latin typeface="Calibri" panose="020F0502020204030204" pitchFamily="34" charset="0"/>
+                <a:cs typeface="Calibri" panose="020F0502020204030204" pitchFamily="34" charset="0"/>
+              </a:rPr>
+              <a:t>천 </a:t>
+            </a:r>
+            <a:r>
+              <a:rPr lang="en-US" altLang="ko-KR" sz="1100" dirty="0">
+                <a:latin typeface="Calibri" panose="020F0502020204030204" pitchFamily="34" charset="0"/>
+                <a:cs typeface="Calibri" panose="020F0502020204030204" pitchFamily="34" charset="0"/>
+              </a:rPr>
+              <a:t>bits </a:t>
+            </a:r>
+            <a:r>
+              <a:rPr lang="ko-KR" altLang="en-US" sz="1100" dirty="0">
+                <a:latin typeface="Calibri" panose="020F0502020204030204" pitchFamily="34" charset="0"/>
+                <a:cs typeface="Calibri" panose="020F0502020204030204" pitchFamily="34" charset="0"/>
+              </a:rPr>
+              <a:t>이상이 될 것</a:t>
+            </a:r>
+            <a:r>
+              <a:rPr lang="en-US" altLang="ko-KR" sz="1100" dirty="0">
+                <a:latin typeface="Calibri" panose="020F0502020204030204" pitchFamily="34" charset="0"/>
+                <a:cs typeface="Calibri" panose="020F0502020204030204" pitchFamily="34" charset="0"/>
+              </a:rPr>
+              <a:t>)</a:t>
+            </a:r>
+            <a:endParaRPr lang="pt-BR" altLang="ko-KR" sz="1100" dirty="0">
+              <a:latin typeface="Calibri" panose="020F0502020204030204" pitchFamily="34" charset="0"/>
+              <a:cs typeface="Calibri" panose="020F0502020204030204" pitchFamily="34" charset="0"/>
+            </a:endParaRPr>
           </a:p>
           <a:p>
             <a:r>
@@ -11638,6 +11703,33 @@
                 <a:latin typeface="Calibri" panose="020F0502020204030204" pitchFamily="34" charset="0"/>
                 <a:cs typeface="Calibri" panose="020F0502020204030204" pitchFamily="34" charset="0"/>
               </a:rPr>
+              <a:t>x1, x2, x3, x4: pattern (12-bit </a:t>
+            </a:r>
+            <a:r>
+              <a:rPr lang="ko-KR" altLang="en-US" sz="1100" dirty="0">
+                <a:latin typeface="Calibri" panose="020F0502020204030204" pitchFamily="34" charset="0"/>
+                <a:cs typeface="Calibri" panose="020F0502020204030204" pitchFamily="34" charset="0"/>
+              </a:rPr>
+              <a:t>고정</a:t>
+            </a:r>
+            <a:r>
+              <a:rPr lang="en-US" altLang="ko-KR" sz="1100" dirty="0">
+                <a:latin typeface="Calibri" panose="020F0502020204030204" pitchFamily="34" charset="0"/>
+                <a:cs typeface="Calibri" panose="020F0502020204030204" pitchFamily="34" charset="0"/>
+              </a:rPr>
+              <a:t>)</a:t>
+            </a:r>
+            <a:endParaRPr lang="pt-BR" altLang="ko-KR" sz="1100" dirty="0">
+              <a:latin typeface="Calibri" panose="020F0502020204030204" pitchFamily="34" charset="0"/>
+              <a:cs typeface="Calibri" panose="020F0502020204030204" pitchFamily="34" charset="0"/>
+            </a:endParaRPr>
+          </a:p>
+          <a:p>
+            <a:r>
+              <a:rPr lang="pt-BR" altLang="ko-KR" sz="1100" dirty="0">
+                <a:latin typeface="Calibri" panose="020F0502020204030204" pitchFamily="34" charset="0"/>
+                <a:cs typeface="Calibri" panose="020F0502020204030204" pitchFamily="34" charset="0"/>
+              </a:rPr>
               <a:t>block_index: </a:t>
             </a:r>
             <a:r>
@@ -11729,7 +11821,7 @@
                 <a:latin typeface="Calibri" panose="020F0502020204030204" pitchFamily="34" charset="0"/>
                 <a:cs typeface="Calibri" panose="020F0502020204030204" pitchFamily="34" charset="0"/>
               </a:rPr>
-              <a:t>에서 넣어주는 상황</a:t>
+              <a:t>에서 넣어주게 되어있음</a:t>
             </a:r>
             <a:r>
               <a:rPr lang="en-US" altLang="ko-KR" sz="1100" dirty="0">
